--- a/doc/Release2/Präsentation/Kundenprasentation_Release_2.2.pptx
+++ b/doc/Release2/Präsentation/Kundenprasentation_Release_2.2.pptx
@@ -144,6 +144,11 @@
       </a:defRPr>
     </a:lvl9pPr>
   </p:defaultTextStyle>
+  <p:extLst>
+    <p:ext uri="{EFAFB233-063F-42B5-8137-9DF3F51BA10A}">
+      <p15:sldGuideLst xmlns:p15="http://schemas.microsoft.com/office/powerpoint/2012/main"/>
+    </p:ext>
+  </p:extLst>
 </p:presentation>
 </file>
 
@@ -486,7 +491,7 @@
       </p:grpSpPr>
       <p:sp>
         <p:nvSpPr>
-          <p:cNvPr id="485" name="PlaceHolder 1"/>
+          <p:cNvPr id="2" name="Folienbildplatzhalter 1"/>
           <p:cNvSpPr>
             <a:spLocks noGrp="1" noRot="1" noChangeAspect="1"/>
           </p:cNvSpPr>
@@ -496,17 +501,479 @@
         </p:nvSpPr>
         <p:spPr>
           <a:xfrm>
-            <a:off x="217440" y="812880"/>
-            <a:ext cx="7124400" cy="4008240"/>
-          </a:xfrm>
-          <a:prstGeom prst="rect">
-            <a:avLst/>
-          </a:prstGeom>
+            <a:off x="217488" y="812800"/>
+            <a:ext cx="7124700" cy="4008438"/>
+          </a:xfrm>
         </p:spPr>
       </p:sp>
       <p:sp>
         <p:nvSpPr>
-          <p:cNvPr id="486" name="PlaceHolder 2"/>
+          <p:cNvPr id="3" name="Notizenplatzhalter 2"/>
+          <p:cNvSpPr>
+            <a:spLocks noGrp="1"/>
+          </p:cNvSpPr>
+          <p:nvPr>
+            <p:ph type="body" idx="1"/>
+          </p:nvPr>
+        </p:nvSpPr>
+        <p:spPr/>
+        <p:txBody>
+          <a:bodyPr/>
+          <a:lstStyle/>
+          <a:p>
+            <a:r>
+              <a:rPr lang="de-DE" dirty="0"/>
+              <a:t>Herzlich Willkommen zur Kundenpräsentation von Team-G. Wir stellen Ihnen jetzt das 2. Release von RBSG – Enhanced Wars vor. Wir sind …..</a:t>
+            </a:r>
+          </a:p>
+        </p:txBody>
+      </p:sp>
+      <p:sp>
+        <p:nvSpPr>
+          <p:cNvPr id="4" name="Foliennummernplatzhalter 3"/>
+          <p:cNvSpPr>
+            <a:spLocks noGrp="1"/>
+          </p:cNvSpPr>
+          <p:nvPr>
+            <p:ph type="sldNum"/>
+          </p:nvPr>
+        </p:nvSpPr>
+        <p:spPr/>
+        <p:txBody>
+          <a:bodyPr/>
+          <a:lstStyle/>
+          <a:p>
+            <a:pPr algn="r"/>
+            <a:fld id="{06A7A818-C6C7-4192-91B8-3915FE1378F4}" type="slidenum">
+              <a:rPr lang="de-DE" sz="1400" b="0" strike="noStrike" spc="-1" smtClean="0">
+                <a:latin typeface="Times New Roman"/>
+              </a:rPr>
+              <a:t>1</a:t>
+            </a:fld>
+            <a:endParaRPr lang="de-DE" sz="1400" b="0" strike="noStrike" spc="-1">
+              <a:latin typeface="Times New Roman"/>
+            </a:endParaRPr>
+          </a:p>
+        </p:txBody>
+      </p:sp>
+    </p:spTree>
+    <p:extLst>
+      <p:ext uri="{BB962C8B-B14F-4D97-AF65-F5344CB8AC3E}">
+        <p14:creationId xmlns:p14="http://schemas.microsoft.com/office/powerpoint/2010/main" val="4027269937"/>
+      </p:ext>
+    </p:extLst>
+  </p:cSld>
+  <p:clrMapOvr>
+    <a:masterClrMapping/>
+  </p:clrMapOvr>
+</p:notes>
+</file>
+
+<file path=ppt/notesSlides/notesSlide10.xml><?xml version="1.0" encoding="utf-8"?>
+<p:notes xmlns:a="http://schemas.openxmlformats.org/drawingml/2006/main" xmlns:r="http://schemas.openxmlformats.org/officeDocument/2006/relationships" xmlns:p="http://schemas.openxmlformats.org/presentationml/2006/main">
+  <p:cSld>
+    <p:spTree>
+      <p:nvGrpSpPr>
+        <p:cNvPr id="1" name=""/>
+        <p:cNvGrpSpPr/>
+        <p:nvPr/>
+      </p:nvGrpSpPr>
+      <p:grpSpPr>
+        <a:xfrm>
+          <a:off x="0" y="0"/>
+          <a:ext cx="0" cy="0"/>
+          <a:chOff x="0" y="0"/>
+          <a:chExt cx="0" cy="0"/>
+        </a:xfrm>
+      </p:grpSpPr>
+      <p:sp>
+        <p:nvSpPr>
+          <p:cNvPr id="2" name="Folienbildplatzhalter 1"/>
+          <p:cNvSpPr>
+            <a:spLocks noGrp="1" noRot="1" noChangeAspect="1"/>
+          </p:cNvSpPr>
+          <p:nvPr>
+            <p:ph type="sldImg"/>
+          </p:nvPr>
+        </p:nvSpPr>
+        <p:spPr>
+          <a:xfrm>
+            <a:off x="217488" y="812800"/>
+            <a:ext cx="7124700" cy="4008438"/>
+          </a:xfrm>
+        </p:spPr>
+      </p:sp>
+      <p:sp>
+        <p:nvSpPr>
+          <p:cNvPr id="3" name="Notizenplatzhalter 2"/>
+          <p:cNvSpPr>
+            <a:spLocks noGrp="1"/>
+          </p:cNvSpPr>
+          <p:nvPr>
+            <p:ph type="body" idx="1"/>
+          </p:nvPr>
+        </p:nvSpPr>
+        <p:spPr/>
+        <p:txBody>
+          <a:bodyPr/>
+          <a:lstStyle/>
+          <a:p>
+            <a:pPr marL="171450" indent="-171450">
+              <a:buFont typeface="Arial" panose="020B0604020202020204" pitchFamily="34" charset="0"/>
+              <a:buChar char="•"/>
+            </a:pPr>
+            <a:r>
+              <a:rPr lang="de-DE" dirty="0"/>
+              <a:t>Extra </a:t>
+            </a:r>
+          </a:p>
+          <a:p>
+            <a:pPr marL="628650" lvl="1" indent="-171450">
+              <a:buFont typeface="Arial" panose="020B0604020202020204" pitchFamily="34" charset="0"/>
+              <a:buChar char="•"/>
+            </a:pPr>
+            <a:r>
+              <a:rPr lang="de-DE" dirty="0"/>
+              <a:t>Armeeliste an der Seite</a:t>
+            </a:r>
+          </a:p>
+          <a:p>
+            <a:pPr marL="628650" lvl="1" indent="-171450">
+              <a:buFont typeface="Arial" panose="020B0604020202020204" pitchFamily="34" charset="0"/>
+              <a:buChar char="•"/>
+            </a:pPr>
+            <a:r>
+              <a:rPr lang="de-DE" dirty="0"/>
+              <a:t>Überarbeitetes Create Game Formular</a:t>
+            </a:r>
+          </a:p>
+          <a:p>
+            <a:pPr marL="628650" lvl="1" indent="-171450">
+              <a:buFont typeface="Arial" panose="020B0604020202020204" pitchFamily="34" charset="0"/>
+              <a:buChar char="•"/>
+            </a:pPr>
+            <a:endParaRPr lang="de-DE" dirty="0"/>
+          </a:p>
+          <a:p>
+            <a:pPr marL="628650" lvl="1" indent="-171450">
+              <a:buFont typeface="Arial" panose="020B0604020202020204" pitchFamily="34" charset="0"/>
+              <a:buChar char="•"/>
+            </a:pPr>
+            <a:endParaRPr lang="de-DE" dirty="0"/>
+          </a:p>
+        </p:txBody>
+      </p:sp>
+      <p:sp>
+        <p:nvSpPr>
+          <p:cNvPr id="4" name="Foliennummernplatzhalter 3"/>
+          <p:cNvSpPr>
+            <a:spLocks noGrp="1"/>
+          </p:cNvSpPr>
+          <p:nvPr>
+            <p:ph type="sldNum"/>
+          </p:nvPr>
+        </p:nvSpPr>
+        <p:spPr/>
+        <p:txBody>
+          <a:bodyPr/>
+          <a:lstStyle/>
+          <a:p>
+            <a:pPr algn="r"/>
+            <a:fld id="{06A7A818-C6C7-4192-91B8-3915FE1378F4}" type="slidenum">
+              <a:rPr lang="de-DE" sz="1400" b="0" strike="noStrike" spc="-1" smtClean="0">
+                <a:latin typeface="Times New Roman"/>
+              </a:rPr>
+              <a:t>11</a:t>
+            </a:fld>
+            <a:endParaRPr lang="de-DE" sz="1400" b="0" strike="noStrike" spc="-1">
+              <a:latin typeface="Times New Roman"/>
+            </a:endParaRPr>
+          </a:p>
+        </p:txBody>
+      </p:sp>
+    </p:spTree>
+    <p:extLst>
+      <p:ext uri="{BB962C8B-B14F-4D97-AF65-F5344CB8AC3E}">
+        <p14:creationId xmlns:p14="http://schemas.microsoft.com/office/powerpoint/2010/main" val="2513194641"/>
+      </p:ext>
+    </p:extLst>
+  </p:cSld>
+  <p:clrMapOvr>
+    <a:masterClrMapping/>
+  </p:clrMapOvr>
+</p:notes>
+</file>
+
+<file path=ppt/notesSlides/notesSlide11.xml><?xml version="1.0" encoding="utf-8"?>
+<p:notes xmlns:a="http://schemas.openxmlformats.org/drawingml/2006/main" xmlns:r="http://schemas.openxmlformats.org/officeDocument/2006/relationships" xmlns:p="http://schemas.openxmlformats.org/presentationml/2006/main">
+  <p:cSld>
+    <p:spTree>
+      <p:nvGrpSpPr>
+        <p:cNvPr id="1" name=""/>
+        <p:cNvGrpSpPr/>
+        <p:nvPr/>
+      </p:nvGrpSpPr>
+      <p:grpSpPr>
+        <a:xfrm>
+          <a:off x="0" y="0"/>
+          <a:ext cx="0" cy="0"/>
+          <a:chOff x="0" y="0"/>
+          <a:chExt cx="0" cy="0"/>
+        </a:xfrm>
+      </p:grpSpPr>
+      <p:sp>
+        <p:nvSpPr>
+          <p:cNvPr id="2" name="Folienbildplatzhalter 1"/>
+          <p:cNvSpPr>
+            <a:spLocks noGrp="1" noRot="1" noChangeAspect="1"/>
+          </p:cNvSpPr>
+          <p:nvPr>
+            <p:ph type="sldImg"/>
+          </p:nvPr>
+        </p:nvSpPr>
+        <p:spPr>
+          <a:xfrm>
+            <a:off x="217488" y="812800"/>
+            <a:ext cx="7124700" cy="4008438"/>
+          </a:xfrm>
+        </p:spPr>
+      </p:sp>
+      <p:sp>
+        <p:nvSpPr>
+          <p:cNvPr id="3" name="Notizenplatzhalter 2"/>
+          <p:cNvSpPr>
+            <a:spLocks noGrp="1"/>
+          </p:cNvSpPr>
+          <p:nvPr>
+            <p:ph type="body" idx="1"/>
+          </p:nvPr>
+        </p:nvSpPr>
+        <p:spPr/>
+        <p:txBody>
+          <a:bodyPr/>
+          <a:lstStyle/>
+          <a:p>
+            <a:r>
+              <a:rPr lang="de-DE" dirty="0" err="1"/>
+              <a:t>Alerts</a:t>
+            </a:r>
+            <a:r>
+              <a:rPr lang="de-DE" dirty="0"/>
+              <a:t> wurden </a:t>
+            </a:r>
+            <a:r>
+              <a:rPr lang="de-DE" dirty="0" err="1"/>
+              <a:t>aktualisisert</a:t>
+            </a:r>
+            <a:endParaRPr lang="de-DE" dirty="0"/>
+          </a:p>
+          <a:p>
+            <a:r>
+              <a:rPr lang="de-DE" dirty="0"/>
+              <a:t>	</a:t>
+            </a:r>
+          </a:p>
+        </p:txBody>
+      </p:sp>
+      <p:sp>
+        <p:nvSpPr>
+          <p:cNvPr id="4" name="Foliennummernplatzhalter 3"/>
+          <p:cNvSpPr>
+            <a:spLocks noGrp="1"/>
+          </p:cNvSpPr>
+          <p:nvPr>
+            <p:ph type="sldNum"/>
+          </p:nvPr>
+        </p:nvSpPr>
+        <p:spPr/>
+        <p:txBody>
+          <a:bodyPr/>
+          <a:lstStyle/>
+          <a:p>
+            <a:pPr algn="r"/>
+            <a:fld id="{06A7A818-C6C7-4192-91B8-3915FE1378F4}" type="slidenum">
+              <a:rPr lang="de-DE" sz="1400" b="0" strike="noStrike" spc="-1" smtClean="0">
+                <a:latin typeface="Times New Roman"/>
+              </a:rPr>
+              <a:t>12</a:t>
+            </a:fld>
+            <a:endParaRPr lang="de-DE" sz="1400" b="0" strike="noStrike" spc="-1">
+              <a:latin typeface="Times New Roman"/>
+            </a:endParaRPr>
+          </a:p>
+        </p:txBody>
+      </p:sp>
+    </p:spTree>
+    <p:extLst>
+      <p:ext uri="{BB962C8B-B14F-4D97-AF65-F5344CB8AC3E}">
+        <p14:creationId xmlns:p14="http://schemas.microsoft.com/office/powerpoint/2010/main" val="1267676863"/>
+      </p:ext>
+    </p:extLst>
+  </p:cSld>
+  <p:clrMapOvr>
+    <a:masterClrMapping/>
+  </p:clrMapOvr>
+</p:notes>
+</file>
+
+<file path=ppt/notesSlides/notesSlide12.xml><?xml version="1.0" encoding="utf-8"?>
+<p:notes xmlns:a="http://schemas.openxmlformats.org/drawingml/2006/main" xmlns:r="http://schemas.openxmlformats.org/officeDocument/2006/relationships" xmlns:p="http://schemas.openxmlformats.org/presentationml/2006/main">
+  <p:cSld>
+    <p:spTree>
+      <p:nvGrpSpPr>
+        <p:cNvPr id="1" name=""/>
+        <p:cNvGrpSpPr/>
+        <p:nvPr/>
+      </p:nvGrpSpPr>
+      <p:grpSpPr>
+        <a:xfrm>
+          <a:off x="0" y="0"/>
+          <a:ext cx="0" cy="0"/>
+          <a:chOff x="0" y="0"/>
+          <a:chExt cx="0" cy="0"/>
+        </a:xfrm>
+      </p:grpSpPr>
+      <p:sp>
+        <p:nvSpPr>
+          <p:cNvPr id="500" name="PlaceHolder 1"/>
+          <p:cNvSpPr>
+            <a:spLocks noGrp="1" noRot="1" noChangeAspect="1"/>
+          </p:cNvSpPr>
+          <p:nvPr>
+            <p:ph type="sldImg"/>
+          </p:nvPr>
+        </p:nvSpPr>
+        <p:spPr>
+          <a:xfrm>
+            <a:off x="217488" y="812800"/>
+            <a:ext cx="7124700" cy="4008438"/>
+          </a:xfrm>
+          <a:prstGeom prst="rect">
+            <a:avLst/>
+          </a:prstGeom>
+        </p:spPr>
+      </p:sp>
+      <p:sp>
+        <p:nvSpPr>
+          <p:cNvPr id="501" name="PlaceHolder 2"/>
+          <p:cNvSpPr>
+            <a:spLocks noGrp="1"/>
+          </p:cNvSpPr>
+          <p:nvPr>
+            <p:ph type="body"/>
+          </p:nvPr>
+        </p:nvSpPr>
+        <p:spPr>
+          <a:xfrm>
+            <a:off x="756000" y="5078520"/>
+            <a:ext cx="6047280" cy="4810680"/>
+          </a:xfrm>
+          <a:prstGeom prst="rect">
+            <a:avLst/>
+          </a:prstGeom>
+        </p:spPr>
+        <p:txBody>
+          <a:bodyPr lIns="0" tIns="0" rIns="0" bIns="0"/>
+          <a:lstStyle/>
+          <a:p>
+            <a:endParaRPr lang="de-DE" sz="2000" b="0" strike="noStrike" spc="-1" dirty="0">
+              <a:latin typeface="Arial"/>
+            </a:endParaRPr>
+          </a:p>
+        </p:txBody>
+      </p:sp>
+      <p:sp>
+        <p:nvSpPr>
+          <p:cNvPr id="502" name="TextShape 3"/>
+          <p:cNvSpPr txBox="1"/>
+          <p:nvPr/>
+        </p:nvSpPr>
+        <p:spPr>
+          <a:xfrm>
+            <a:off x="4278960" y="10157400"/>
+            <a:ext cx="3280320" cy="533880"/>
+          </a:xfrm>
+          <a:prstGeom prst="rect">
+            <a:avLst/>
+          </a:prstGeom>
+          <a:noFill/>
+          <a:ln>
+            <a:noFill/>
+          </a:ln>
+        </p:spPr>
+        <p:txBody>
+          <a:bodyPr lIns="0" tIns="0" rIns="0" bIns="0" anchor="b"/>
+          <a:lstStyle/>
+          <a:p>
+            <a:pPr algn="r">
+              <a:lnSpc>
+                <a:spcPct val="100000"/>
+              </a:lnSpc>
+            </a:pPr>
+            <a:fld id="{6C551535-309F-402D-89D2-910B2C156DC1}" type="slidenum">
+              <a:rPr lang="de-DE" sz="1400" b="0" strike="noStrike" spc="-1">
+                <a:solidFill>
+                  <a:srgbClr val="000000"/>
+                </a:solidFill>
+                <a:latin typeface="Times New Roman"/>
+                <a:ea typeface="DejaVu Sans"/>
+              </a:rPr>
+              <a:t>13</a:t>
+            </a:fld>
+            <a:endParaRPr lang="de-DE" sz="1400" b="0" strike="noStrike" spc="-1">
+              <a:latin typeface="Times New Roman"/>
+            </a:endParaRPr>
+          </a:p>
+        </p:txBody>
+      </p:sp>
+    </p:spTree>
+  </p:cSld>
+  <p:clrMapOvr>
+    <a:masterClrMapping/>
+  </p:clrMapOvr>
+</p:notes>
+</file>
+
+<file path=ppt/notesSlides/notesSlide13.xml><?xml version="1.0" encoding="utf-8"?>
+<p:notes xmlns:a="http://schemas.openxmlformats.org/drawingml/2006/main" xmlns:r="http://schemas.openxmlformats.org/officeDocument/2006/relationships" xmlns:p="http://schemas.openxmlformats.org/presentationml/2006/main">
+  <p:cSld>
+    <p:spTree>
+      <p:nvGrpSpPr>
+        <p:cNvPr id="1" name=""/>
+        <p:cNvGrpSpPr/>
+        <p:nvPr/>
+      </p:nvGrpSpPr>
+      <p:grpSpPr>
+        <a:xfrm>
+          <a:off x="0" y="0"/>
+          <a:ext cx="0" cy="0"/>
+          <a:chOff x="0" y="0"/>
+          <a:chExt cx="0" cy="0"/>
+        </a:xfrm>
+      </p:grpSpPr>
+      <p:sp>
+        <p:nvSpPr>
+          <p:cNvPr id="503" name="PlaceHolder 1"/>
+          <p:cNvSpPr>
+            <a:spLocks noGrp="1" noRot="1" noChangeAspect="1"/>
+          </p:cNvSpPr>
+          <p:nvPr>
+            <p:ph type="sldImg"/>
+          </p:nvPr>
+        </p:nvSpPr>
+        <p:spPr>
+          <a:xfrm>
+            <a:off x="217488" y="812800"/>
+            <a:ext cx="7124700" cy="4008438"/>
+          </a:xfrm>
+          <a:prstGeom prst="rect">
+            <a:avLst/>
+          </a:prstGeom>
+        </p:spPr>
+      </p:sp>
+      <p:sp>
+        <p:nvSpPr>
+          <p:cNvPr id="504" name="PlaceHolder 2"/>
           <p:cNvSpPr>
             <a:spLocks noGrp="1"/>
           </p:cNvSpPr>
@@ -535,7 +1002,7 @@
       </p:sp>
       <p:sp>
         <p:nvSpPr>
-          <p:cNvPr id="487" name="TextShape 3"/>
+          <p:cNvPr id="505" name="TextShape 3"/>
           <p:cNvSpPr txBox="1"/>
           <p:nvPr/>
         </p:nvSpPr>
@@ -561,7 +1028,7 @@
                 <a:spcPct val="100000"/>
               </a:lnSpc>
             </a:pPr>
-            <a:fld id="{1C3E5731-83D0-4574-A722-8C958D513692}" type="slidenum">
+            <a:fld id="{DA5D222B-29C3-4545-AE07-5DF28AF891C1}" type="slidenum">
               <a:rPr lang="de-DE" sz="1400" b="0" strike="noStrike" spc="-1">
                 <a:solidFill>
                   <a:srgbClr val="000000"/>
@@ -569,7 +1036,7 @@
                 <a:latin typeface="Times New Roman"/>
                 <a:ea typeface="DejaVu Sans"/>
               </a:rPr>
-              <a:t>3</a:t>
+              <a:t>38</a:t>
             </a:fld>
             <a:endParaRPr lang="de-DE" sz="1400" b="0" strike="noStrike" spc="-1">
               <a:latin typeface="Times New Roman"/>
@@ -604,7 +1071,7 @@
       </p:grpSpPr>
       <p:sp>
         <p:nvSpPr>
-          <p:cNvPr id="488" name="PlaceHolder 1"/>
+          <p:cNvPr id="485" name="PlaceHolder 1"/>
           <p:cNvSpPr>
             <a:spLocks noGrp="1" noRot="1" noChangeAspect="1"/>
           </p:cNvSpPr>
@@ -614,8 +1081,8 @@
         </p:nvSpPr>
         <p:spPr>
           <a:xfrm>
-            <a:off x="217440" y="812880"/>
-            <a:ext cx="7124400" cy="4008240"/>
+            <a:off x="217488" y="812800"/>
+            <a:ext cx="7124700" cy="4008438"/>
           </a:xfrm>
           <a:prstGeom prst="rect">
             <a:avLst/>
@@ -624,7 +1091,7 @@
       </p:sp>
       <p:sp>
         <p:nvSpPr>
-          <p:cNvPr id="489" name="PlaceHolder 2"/>
+          <p:cNvPr id="486" name="PlaceHolder 2"/>
           <p:cNvSpPr>
             <a:spLocks noGrp="1"/>
           </p:cNvSpPr>
@@ -645,15 +1112,49 @@
           <a:bodyPr lIns="0" tIns="0" rIns="0" bIns="0"/>
           <a:lstStyle/>
           <a:p>
-            <a:endParaRPr lang="de-DE" sz="2000" b="0" strike="noStrike" spc="-1">
+            <a:pPr marL="342900" indent="-342900">
+              <a:buFont typeface="Arial" panose="020B0604020202020204" pitchFamily="34" charset="0"/>
+              <a:buChar char="•"/>
+            </a:pPr>
+            <a:r>
+              <a:rPr lang="de-DE" sz="2000" b="0" strike="noStrike" spc="-1" dirty="0" err="1">
+                <a:latin typeface="Arial"/>
+              </a:rPr>
+              <a:t>Loginbereich</a:t>
+            </a:r>
+            <a:endParaRPr lang="de-DE" sz="2000" b="0" strike="noStrike" spc="-1" dirty="0">
               <a:latin typeface="Arial"/>
             </a:endParaRPr>
+          </a:p>
+          <a:p>
+            <a:pPr marL="342900" indent="-342900">
+              <a:buFont typeface="Arial" panose="020B0604020202020204" pitchFamily="34" charset="0"/>
+              <a:buChar char="•"/>
+            </a:pPr>
+            <a:r>
+              <a:rPr lang="de-DE" sz="2000" b="0" strike="noStrike" spc="-1" dirty="0">
+                <a:latin typeface="Arial"/>
+              </a:rPr>
+              <a:t>Lobby</a:t>
+            </a:r>
+          </a:p>
+          <a:p>
+            <a:pPr marL="342900" indent="-342900">
+              <a:buFont typeface="Arial" panose="020B0604020202020204" pitchFamily="34" charset="0"/>
+              <a:buChar char="•"/>
+            </a:pPr>
+            <a:r>
+              <a:rPr lang="de-DE" sz="2000" b="0" strike="noStrike" spc="-1" dirty="0">
+                <a:latin typeface="Arial"/>
+              </a:rPr>
+              <a:t>Ingame / Waiting Room</a:t>
+            </a:r>
           </a:p>
         </p:txBody>
       </p:sp>
       <p:sp>
         <p:nvSpPr>
-          <p:cNvPr id="490" name="TextShape 3"/>
+          <p:cNvPr id="487" name="TextShape 3"/>
           <p:cNvSpPr txBox="1"/>
           <p:nvPr/>
         </p:nvSpPr>
@@ -679,7 +1180,7 @@
                 <a:spcPct val="100000"/>
               </a:lnSpc>
             </a:pPr>
-            <a:fld id="{6ECBFE2D-3A17-4314-BA87-27B654E732A3}" type="slidenum">
+            <a:fld id="{1C3E5731-83D0-4574-A722-8C958D513692}" type="slidenum">
               <a:rPr lang="de-DE" sz="1400" b="0" strike="noStrike" spc="-1">
                 <a:solidFill>
                   <a:srgbClr val="000000"/>
@@ -687,7 +1188,7 @@
                 <a:latin typeface="Times New Roman"/>
                 <a:ea typeface="DejaVu Sans"/>
               </a:rPr>
-              <a:t>4</a:t>
+              <a:t>3</a:t>
             </a:fld>
             <a:endParaRPr lang="de-DE" sz="1400" b="0" strike="noStrike" spc="-1">
               <a:latin typeface="Times New Roman"/>
@@ -722,7 +1223,7 @@
       </p:grpSpPr>
       <p:sp>
         <p:nvSpPr>
-          <p:cNvPr id="491" name="PlaceHolder 1"/>
+          <p:cNvPr id="488" name="PlaceHolder 1"/>
           <p:cNvSpPr>
             <a:spLocks noGrp="1" noRot="1" noChangeAspect="1"/>
           </p:cNvSpPr>
@@ -732,8 +1233,8 @@
         </p:nvSpPr>
         <p:spPr>
           <a:xfrm>
-            <a:off x="217440" y="812880"/>
-            <a:ext cx="7124400" cy="4008240"/>
+            <a:off x="217488" y="812800"/>
+            <a:ext cx="7124700" cy="4008438"/>
           </a:xfrm>
           <a:prstGeom prst="rect">
             <a:avLst/>
@@ -742,7 +1243,7 @@
       </p:sp>
       <p:sp>
         <p:nvSpPr>
-          <p:cNvPr id="492" name="PlaceHolder 2"/>
+          <p:cNvPr id="489" name="PlaceHolder 2"/>
           <p:cNvSpPr>
             <a:spLocks noGrp="1"/>
           </p:cNvSpPr>
@@ -763,15 +1264,46 @@
           <a:bodyPr lIns="0" tIns="0" rIns="0" bIns="0"/>
           <a:lstStyle/>
           <a:p>
-            <a:endParaRPr lang="de-DE" sz="2000" b="0" strike="noStrike" spc="-1">
-              <a:latin typeface="Arial"/>
-            </a:endParaRPr>
+            <a:pPr marL="342900" indent="-342900">
+              <a:buFont typeface="Arial" panose="020B0604020202020204" pitchFamily="34" charset="0"/>
+              <a:buChar char="•"/>
+            </a:pPr>
+            <a:r>
+              <a:rPr lang="de-DE" sz="2000" b="0" strike="noStrike" spc="-1" dirty="0">
+                <a:latin typeface="Arial"/>
+              </a:rPr>
+              <a:t>Login </a:t>
+            </a:r>
+          </a:p>
+          <a:p>
+            <a:pPr marL="342900" indent="-342900">
+              <a:buFont typeface="Arial" panose="020B0604020202020204" pitchFamily="34" charset="0"/>
+              <a:buChar char="•"/>
+            </a:pPr>
+            <a:r>
+              <a:rPr lang="de-DE" sz="2000" b="0" strike="noStrike" spc="-1" dirty="0">
+                <a:latin typeface="Arial"/>
+              </a:rPr>
+              <a:t>Registrierung</a:t>
+            </a:r>
+          </a:p>
+          <a:p>
+            <a:pPr marL="342900" indent="-342900">
+              <a:buFont typeface="Arial" panose="020B0604020202020204" pitchFamily="34" charset="0"/>
+              <a:buChar char="•"/>
+            </a:pPr>
+            <a:r>
+              <a:rPr lang="de-DE" sz="2000" b="0" strike="noStrike" spc="-1" dirty="0">
+                <a:latin typeface="Arial"/>
+              </a:rPr>
+              <a:t>Ist so geblieben</a:t>
+            </a:r>
           </a:p>
         </p:txBody>
       </p:sp>
       <p:sp>
         <p:nvSpPr>
-          <p:cNvPr id="493" name="TextShape 3"/>
+          <p:cNvPr id="490" name="TextShape 3"/>
           <p:cNvSpPr txBox="1"/>
           <p:nvPr/>
         </p:nvSpPr>
@@ -797,7 +1329,7 @@
                 <a:spcPct val="100000"/>
               </a:lnSpc>
             </a:pPr>
-            <a:fld id="{B287EF8A-636D-4C9C-A308-72A164DA1698}" type="slidenum">
+            <a:fld id="{6ECBFE2D-3A17-4314-BA87-27B654E732A3}" type="slidenum">
               <a:rPr lang="de-DE" sz="1400" b="0" strike="noStrike" spc="-1">
                 <a:solidFill>
                   <a:srgbClr val="000000"/>
@@ -805,7 +1337,7 @@
                 <a:latin typeface="Times New Roman"/>
                 <a:ea typeface="DejaVu Sans"/>
               </a:rPr>
-              <a:t>5</a:t>
+              <a:t>4</a:t>
             </a:fld>
             <a:endParaRPr lang="de-DE" sz="1400" b="0" strike="noStrike" spc="-1">
               <a:latin typeface="Times New Roman"/>
@@ -840,7 +1372,7 @@
       </p:grpSpPr>
       <p:sp>
         <p:nvSpPr>
-          <p:cNvPr id="494" name="PlaceHolder 1"/>
+          <p:cNvPr id="491" name="PlaceHolder 1"/>
           <p:cNvSpPr>
             <a:spLocks noGrp="1" noRot="1" noChangeAspect="1"/>
           </p:cNvSpPr>
@@ -850,8 +1382,8 @@
         </p:nvSpPr>
         <p:spPr>
           <a:xfrm>
-            <a:off x="217440" y="812880"/>
-            <a:ext cx="7124400" cy="4008240"/>
+            <a:off x="217488" y="812800"/>
+            <a:ext cx="7124700" cy="4008438"/>
           </a:xfrm>
           <a:prstGeom prst="rect">
             <a:avLst/>
@@ -860,7 +1392,7 @@
       </p:sp>
       <p:sp>
         <p:nvSpPr>
-          <p:cNvPr id="495" name="PlaceHolder 2"/>
+          <p:cNvPr id="492" name="PlaceHolder 2"/>
           <p:cNvSpPr>
             <a:spLocks noGrp="1"/>
           </p:cNvSpPr>
@@ -881,15 +1413,78 @@
           <a:bodyPr lIns="0" tIns="0" rIns="0" bIns="0"/>
           <a:lstStyle/>
           <a:p>
-            <a:endParaRPr lang="de-DE" sz="2000" b="0" strike="noStrike" spc="-1">
-              <a:latin typeface="Arial"/>
-            </a:endParaRPr>
+            <a:r>
+              <a:rPr lang="de-DE" sz="2000" b="0" strike="noStrike" spc="-1" dirty="0">
+                <a:latin typeface="Arial"/>
+              </a:rPr>
+              <a:t>Lobby mit </a:t>
+            </a:r>
+          </a:p>
+          <a:p>
+            <a:pPr marL="342900" indent="-342900">
+              <a:buFont typeface="Arial" panose="020B0604020202020204" pitchFamily="34" charset="0"/>
+              <a:buChar char="•"/>
+            </a:pPr>
+            <a:r>
+              <a:rPr lang="de-DE" sz="2000" b="0" strike="noStrike" spc="-1" dirty="0">
+                <a:latin typeface="Arial"/>
+              </a:rPr>
+              <a:t>Spielerliste</a:t>
+            </a:r>
+          </a:p>
+          <a:p>
+            <a:pPr marL="342900" indent="-342900">
+              <a:buFont typeface="Arial" panose="020B0604020202020204" pitchFamily="34" charset="0"/>
+              <a:buChar char="•"/>
+            </a:pPr>
+            <a:r>
+              <a:rPr lang="de-DE" sz="2000" b="0" strike="noStrike" spc="-1" dirty="0">
+                <a:latin typeface="Arial"/>
+              </a:rPr>
+              <a:t>Spielliste</a:t>
+            </a:r>
+          </a:p>
+          <a:p>
+            <a:pPr marL="342900" indent="-342900">
+              <a:buFont typeface="Arial" panose="020B0604020202020204" pitchFamily="34" charset="0"/>
+              <a:buChar char="•"/>
+            </a:pPr>
+            <a:r>
+              <a:rPr lang="de-DE" sz="2000" b="0" strike="noStrike" spc="-1" dirty="0">
+                <a:latin typeface="Arial"/>
+              </a:rPr>
+              <a:t>Create Game</a:t>
+            </a:r>
+          </a:p>
+          <a:p>
+            <a:pPr marL="342900" indent="-342900">
+              <a:buFont typeface="Arial" panose="020B0604020202020204" pitchFamily="34" charset="0"/>
+              <a:buChar char="•"/>
+            </a:pPr>
+            <a:r>
+              <a:rPr lang="de-DE" sz="2000" b="0" strike="noStrike" spc="-1" dirty="0">
+                <a:latin typeface="Arial"/>
+              </a:rPr>
+              <a:t>Internationalisierung</a:t>
+            </a:r>
+          </a:p>
+          <a:p>
+            <a:pPr marL="342900" indent="-342900">
+              <a:buFont typeface="Arial" panose="020B0604020202020204" pitchFamily="34" charset="0"/>
+              <a:buChar char="•"/>
+            </a:pPr>
+            <a:r>
+              <a:rPr lang="de-DE" sz="2000" b="0" strike="noStrike" spc="-1" dirty="0">
+                <a:latin typeface="Arial"/>
+              </a:rPr>
+              <a:t>Chat Allgemein und Privat</a:t>
+            </a:r>
           </a:p>
         </p:txBody>
       </p:sp>
       <p:sp>
         <p:nvSpPr>
-          <p:cNvPr id="496" name="TextShape 3"/>
+          <p:cNvPr id="493" name="TextShape 3"/>
           <p:cNvSpPr txBox="1"/>
           <p:nvPr/>
         </p:nvSpPr>
@@ -915,7 +1510,7 @@
                 <a:spcPct val="100000"/>
               </a:lnSpc>
             </a:pPr>
-            <a:fld id="{69007612-820A-4AC5-BB49-4B84FAF99BF1}" type="slidenum">
+            <a:fld id="{B287EF8A-636D-4C9C-A308-72A164DA1698}" type="slidenum">
               <a:rPr lang="de-DE" sz="1400" b="0" strike="noStrike" spc="-1">
                 <a:solidFill>
                   <a:srgbClr val="000000"/>
@@ -923,7 +1518,7 @@
                 <a:latin typeface="Times New Roman"/>
                 <a:ea typeface="DejaVu Sans"/>
               </a:rPr>
-              <a:t>6</a:t>
+              <a:t>5</a:t>
             </a:fld>
             <a:endParaRPr lang="de-DE" sz="1400" b="0" strike="noStrike" spc="-1">
               <a:latin typeface="Times New Roman"/>
@@ -958,7 +1553,7 @@
       </p:grpSpPr>
       <p:sp>
         <p:nvSpPr>
-          <p:cNvPr id="497" name="PlaceHolder 1"/>
+          <p:cNvPr id="494" name="PlaceHolder 1"/>
           <p:cNvSpPr>
             <a:spLocks noGrp="1" noRot="1" noChangeAspect="1"/>
           </p:cNvSpPr>
@@ -978,7 +1573,7 @@
       </p:sp>
       <p:sp>
         <p:nvSpPr>
-          <p:cNvPr id="498" name="PlaceHolder 2"/>
+          <p:cNvPr id="495" name="PlaceHolder 2"/>
           <p:cNvSpPr>
             <a:spLocks noGrp="1"/>
           </p:cNvSpPr>
@@ -999,7 +1594,27 @@
           <a:bodyPr lIns="0" tIns="0" rIns="0" bIns="0"/>
           <a:lstStyle/>
           <a:p>
-            <a:endParaRPr lang="de-DE" sz="2000" b="0" strike="noStrike" spc="-1">
+            <a:r>
+              <a:rPr lang="de-DE" sz="2000" b="0" strike="noStrike" spc="-1" dirty="0">
+                <a:latin typeface="Arial"/>
+              </a:rPr>
+              <a:t>Rudimentäre Implementierung des Waiting Rooms / </a:t>
+            </a:r>
+            <a:r>
+              <a:rPr lang="de-DE" sz="2000" b="0" strike="noStrike" spc="-1" dirty="0" err="1">
+                <a:latin typeface="Arial"/>
+              </a:rPr>
+              <a:t>Ingames</a:t>
+            </a:r>
+            <a:r>
+              <a:rPr lang="de-DE" sz="2000" b="0" strike="noStrike" spc="-1" dirty="0">
+                <a:latin typeface="Arial"/>
+              </a:rPr>
+              <a:t> -&gt; ausgebaut</a:t>
+            </a:r>
+          </a:p>
+          <a:p>
+            <a:endParaRPr lang="de-DE" sz="2000" b="0" strike="noStrike" spc="-1" dirty="0">
               <a:latin typeface="Arial"/>
             </a:endParaRPr>
           </a:p>
@@ -1007,7 +1622,7 @@
       </p:sp>
       <p:sp>
         <p:nvSpPr>
-          <p:cNvPr id="499" name="TextShape 3"/>
+          <p:cNvPr id="496" name="TextShape 3"/>
           <p:cNvSpPr txBox="1"/>
           <p:nvPr/>
         </p:nvSpPr>
@@ -1033,7 +1648,7 @@
                 <a:spcPct val="100000"/>
               </a:lnSpc>
             </a:pPr>
-            <a:fld id="{E37811DB-8843-4C9D-B22F-6001F11934DD}" type="slidenum">
+            <a:fld id="{69007612-820A-4AC5-BB49-4B84FAF99BF1}" type="slidenum">
               <a:rPr lang="de-DE" sz="1400" b="0" strike="noStrike" spc="-1">
                 <a:solidFill>
                   <a:srgbClr val="000000"/>
@@ -1041,7 +1656,7 @@
                 <a:latin typeface="Times New Roman"/>
                 <a:ea typeface="DejaVu Sans"/>
               </a:rPr>
-              <a:t>7</a:t>
+              <a:t>6</a:t>
             </a:fld>
             <a:endParaRPr lang="de-DE" sz="1400" b="0" strike="noStrike" spc="-1">
               <a:latin typeface="Times New Roman"/>
@@ -1076,7 +1691,7 @@
       </p:grpSpPr>
       <p:sp>
         <p:nvSpPr>
-          <p:cNvPr id="500" name="PlaceHolder 1"/>
+          <p:cNvPr id="497" name="PlaceHolder 1"/>
           <p:cNvSpPr>
             <a:spLocks noGrp="1" noRot="1" noChangeAspect="1"/>
           </p:cNvSpPr>
@@ -1096,7 +1711,7 @@
       </p:sp>
       <p:sp>
         <p:nvSpPr>
-          <p:cNvPr id="501" name="PlaceHolder 2"/>
+          <p:cNvPr id="498" name="PlaceHolder 2"/>
           <p:cNvSpPr>
             <a:spLocks noGrp="1"/>
           </p:cNvSpPr>
@@ -1117,15 +1732,190 @@
           <a:bodyPr lIns="0" tIns="0" rIns="0" bIns="0"/>
           <a:lstStyle/>
           <a:p>
-            <a:endParaRPr lang="de-DE" sz="2000" b="0" strike="noStrike" spc="-1">
+            <a:pPr marL="342900" indent="-342900">
+              <a:buFont typeface="Arial" panose="020B0604020202020204" pitchFamily="34" charset="0"/>
+              <a:buChar char="•"/>
+            </a:pPr>
+            <a:r>
+              <a:rPr lang="de-DE" sz="2000" b="0" strike="noStrike" spc="-1" dirty="0">
+                <a:latin typeface="Arial"/>
+              </a:rPr>
+              <a:t>Anforderungen</a:t>
+            </a:r>
+          </a:p>
+          <a:p>
+            <a:pPr marL="800100" lvl="1" indent="-342900">
+              <a:buFont typeface="Arial" panose="020B0604020202020204" pitchFamily="34" charset="0"/>
+              <a:buChar char="•"/>
+            </a:pPr>
+            <a:r>
+              <a:rPr lang="de-DE" sz="2000" b="0" strike="noStrike" spc="-1" dirty="0">
+                <a:latin typeface="Arial"/>
+              </a:rPr>
+              <a:t>Mind. 3 Armeen speichern</a:t>
+            </a:r>
+          </a:p>
+          <a:p>
+            <a:pPr marL="800100" lvl="1" indent="-342900">
+              <a:buFont typeface="Arial" panose="020B0604020202020204" pitchFamily="34" charset="0"/>
+              <a:buChar char="•"/>
+            </a:pPr>
+            <a:r>
+              <a:rPr lang="de-DE" sz="2000" b="0" strike="noStrike" spc="-1" dirty="0">
+                <a:latin typeface="Arial"/>
+              </a:rPr>
+              <a:t>Max. 10 Einheiten pro Armee</a:t>
+            </a:r>
+          </a:p>
+          <a:p>
+            <a:pPr marL="800100" lvl="1" indent="-342900">
+              <a:buFont typeface="Arial" panose="020B0604020202020204" pitchFamily="34" charset="0"/>
+              <a:buChar char="•"/>
+            </a:pPr>
+            <a:r>
+              <a:rPr lang="de-DE" sz="2000" b="0" strike="noStrike" spc="-1" dirty="0">
+                <a:latin typeface="Arial"/>
+              </a:rPr>
+              <a:t>Speichern / Laden auf </a:t>
+            </a:r>
+            <a:r>
+              <a:rPr lang="de-DE" sz="2000" b="0" strike="noStrike" spc="-1" dirty="0" err="1">
+                <a:latin typeface="Arial"/>
+              </a:rPr>
+              <a:t>Local</a:t>
+            </a:r>
+            <a:r>
+              <a:rPr lang="de-DE" sz="2000" b="0" strike="noStrike" spc="-1" dirty="0">
+                <a:latin typeface="Arial"/>
+              </a:rPr>
+              <a:t> / Serverseitig</a:t>
+            </a:r>
+          </a:p>
+          <a:p>
+            <a:pPr marL="800100" lvl="1" indent="-342900">
+              <a:buFont typeface="Arial" panose="020B0604020202020204" pitchFamily="34" charset="0"/>
+              <a:buChar char="•"/>
+            </a:pPr>
+            <a:r>
+              <a:rPr lang="de-DE" sz="2000" b="0" strike="noStrike" spc="-1" dirty="0" err="1">
+                <a:latin typeface="Arial"/>
+              </a:rPr>
+              <a:t>Konfiguriern</a:t>
+            </a:r>
+            <a:r>
+              <a:rPr lang="de-DE" sz="2000" b="0" strike="noStrike" spc="-1" dirty="0">
+                <a:latin typeface="Arial"/>
+              </a:rPr>
+              <a:t> der Armeen</a:t>
+            </a:r>
+          </a:p>
+          <a:p>
+            <a:pPr marL="342900" lvl="0" indent="-342900">
+              <a:buFont typeface="Arial" panose="020B0604020202020204" pitchFamily="34" charset="0"/>
+              <a:buChar char="•"/>
+            </a:pPr>
+            <a:endParaRPr lang="de-DE" sz="2000" b="0" strike="noStrike" spc="-1" dirty="0">
               <a:latin typeface="Arial"/>
             </a:endParaRPr>
+          </a:p>
+          <a:p>
+            <a:pPr marL="342900" lvl="0" indent="-342900">
+              <a:buFont typeface="Arial" panose="020B0604020202020204" pitchFamily="34" charset="0"/>
+              <a:buChar char="•"/>
+            </a:pPr>
+            <a:r>
+              <a:rPr lang="de-DE" sz="2000" b="0" strike="noStrike" spc="-1" dirty="0">
+                <a:latin typeface="Arial"/>
+              </a:rPr>
+              <a:t>Zeigen</a:t>
+            </a:r>
+          </a:p>
+          <a:p>
+            <a:pPr marL="800100" lvl="1" indent="-342900">
+              <a:buFont typeface="Arial" panose="020B0604020202020204" pitchFamily="34" charset="0"/>
+              <a:buChar char="•"/>
+            </a:pPr>
+            <a:r>
+              <a:rPr lang="de-DE" sz="2000" b="0" strike="noStrike" spc="-1" dirty="0">
+                <a:latin typeface="Arial"/>
+              </a:rPr>
+              <a:t>Einheitenliste mit Detailview</a:t>
+            </a:r>
+          </a:p>
+          <a:p>
+            <a:pPr marL="800100" lvl="1" indent="-342900">
+              <a:buFont typeface="Arial" panose="020B0604020202020204" pitchFamily="34" charset="0"/>
+              <a:buChar char="•"/>
+            </a:pPr>
+            <a:r>
+              <a:rPr lang="de-DE" sz="2000" b="0" strike="noStrike" spc="-1" dirty="0">
+                <a:latin typeface="Arial"/>
+              </a:rPr>
+              <a:t>Armeeübersicht</a:t>
+            </a:r>
+          </a:p>
+          <a:p>
+            <a:pPr marL="800100" lvl="1" indent="-342900">
+              <a:buFont typeface="Arial" panose="020B0604020202020204" pitchFamily="34" charset="0"/>
+              <a:buChar char="•"/>
+            </a:pPr>
+            <a:r>
+              <a:rPr lang="de-DE" sz="2000" b="0" strike="noStrike" spc="-1" dirty="0">
+                <a:latin typeface="Arial"/>
+              </a:rPr>
+              <a:t>Armeeauswahl</a:t>
+            </a:r>
+          </a:p>
+          <a:p>
+            <a:pPr marL="800100" lvl="1" indent="-342900">
+              <a:buFont typeface="Arial" panose="020B0604020202020204" pitchFamily="34" charset="0"/>
+              <a:buChar char="•"/>
+            </a:pPr>
+            <a:r>
+              <a:rPr lang="de-DE" sz="2000" b="0" strike="noStrike" spc="-1" dirty="0">
+                <a:latin typeface="Arial"/>
+              </a:rPr>
+              <a:t>Buttons erklären</a:t>
+            </a:r>
+          </a:p>
+          <a:p>
+            <a:pPr marL="800100" lvl="1" indent="-342900">
+              <a:buFont typeface="Arial" panose="020B0604020202020204" pitchFamily="34" charset="0"/>
+              <a:buChar char="•"/>
+            </a:pPr>
+            <a:r>
+              <a:rPr lang="de-DE" sz="2000" b="0" strike="noStrike" spc="-1" dirty="0">
+                <a:latin typeface="Arial"/>
+              </a:rPr>
+              <a:t>Lore</a:t>
+            </a:r>
+          </a:p>
+          <a:p>
+            <a:pPr marL="800100" lvl="1" indent="-342900">
+              <a:buFont typeface="Arial" panose="020B0604020202020204" pitchFamily="34" charset="0"/>
+              <a:buChar char="•"/>
+            </a:pPr>
+            <a:endParaRPr lang="de-DE" sz="2000" b="0" strike="noStrike" spc="-1" dirty="0">
+              <a:latin typeface="Arial"/>
+            </a:endParaRPr>
+          </a:p>
+          <a:p>
+            <a:pPr marL="342900" lvl="0" indent="-342900">
+              <a:buFont typeface="Arial" panose="020B0604020202020204" pitchFamily="34" charset="0"/>
+              <a:buChar char="•"/>
+            </a:pPr>
+            <a:r>
+              <a:rPr lang="de-DE" sz="2000" b="0" strike="noStrike" spc="-1" dirty="0">
+                <a:latin typeface="Arial"/>
+              </a:rPr>
+              <a:t>Überleiten auf Armeeeditor und Attribute View</a:t>
+            </a:r>
           </a:p>
         </p:txBody>
       </p:sp>
       <p:sp>
         <p:nvSpPr>
-          <p:cNvPr id="502" name="TextShape 3"/>
+          <p:cNvPr id="499" name="TextShape 3"/>
           <p:cNvSpPr txBox="1"/>
           <p:nvPr/>
         </p:nvSpPr>
@@ -1151,7 +1941,7 @@
                 <a:spcPct val="100000"/>
               </a:lnSpc>
             </a:pPr>
-            <a:fld id="{6C551535-309F-402D-89D2-910B2C156DC1}" type="slidenum">
+            <a:fld id="{E37811DB-8843-4C9D-B22F-6001F11934DD}" type="slidenum">
               <a:rPr lang="de-DE" sz="1400" b="0" strike="noStrike" spc="-1">
                 <a:solidFill>
                   <a:srgbClr val="000000"/>
@@ -1159,7 +1949,7 @@
                 <a:latin typeface="Times New Roman"/>
                 <a:ea typeface="DejaVu Sans"/>
               </a:rPr>
-              <a:t>13</a:t>
+              <a:t>7</a:t>
             </a:fld>
             <a:endParaRPr lang="de-DE" sz="1400" b="0" strike="noStrike" spc="-1">
               <a:latin typeface="Times New Roman"/>
@@ -1194,7 +1984,7 @@
       </p:grpSpPr>
       <p:sp>
         <p:nvSpPr>
-          <p:cNvPr id="503" name="PlaceHolder 1"/>
+          <p:cNvPr id="2" name="Folienbildplatzhalter 1"/>
           <p:cNvSpPr>
             <a:spLocks noGrp="1" noRot="1" noChangeAspect="1"/>
           </p:cNvSpPr>
@@ -1207,77 +1997,114 @@
             <a:off x="217488" y="812800"/>
             <a:ext cx="7124700" cy="4008438"/>
           </a:xfrm>
-          <a:prstGeom prst="rect">
-            <a:avLst/>
-          </a:prstGeom>
         </p:spPr>
       </p:sp>
       <p:sp>
         <p:nvSpPr>
-          <p:cNvPr id="504" name="PlaceHolder 2"/>
+          <p:cNvPr id="3" name="Notizenplatzhalter 2"/>
           <p:cNvSpPr>
             <a:spLocks noGrp="1"/>
           </p:cNvSpPr>
           <p:nvPr>
-            <p:ph type="body"/>
+            <p:ph type="body" idx="1"/>
           </p:nvPr>
         </p:nvSpPr>
-        <p:spPr>
-          <a:xfrm>
-            <a:off x="756000" y="5078520"/>
-            <a:ext cx="6047280" cy="4810680"/>
-          </a:xfrm>
-          <a:prstGeom prst="rect">
-            <a:avLst/>
-          </a:prstGeom>
-        </p:spPr>
+        <p:spPr/>
         <p:txBody>
-          <a:bodyPr lIns="0" tIns="0" rIns="0" bIns="0"/>
+          <a:bodyPr/>
           <a:lstStyle/>
           <a:p>
-            <a:endParaRPr lang="de-DE" sz="2000" b="0" strike="noStrike" spc="-1">
-              <a:latin typeface="Arial"/>
-            </a:endParaRPr>
+            <a:pPr marL="171450" indent="-171450">
+              <a:buFont typeface="Arial" panose="020B0604020202020204" pitchFamily="34" charset="0"/>
+              <a:buChar char="•"/>
+            </a:pPr>
+            <a:r>
+              <a:rPr lang="de-DE" dirty="0"/>
+              <a:t>Armeeeditor</a:t>
+            </a:r>
+          </a:p>
+          <a:p>
+            <a:pPr marL="628650" lvl="1" indent="-171450">
+              <a:buFont typeface="Arial" panose="020B0604020202020204" pitchFamily="34" charset="0"/>
+              <a:buChar char="•"/>
+            </a:pPr>
+            <a:r>
+              <a:rPr lang="de-DE" dirty="0"/>
+              <a:t>Icons</a:t>
+            </a:r>
+          </a:p>
+          <a:p>
+            <a:pPr marL="628650" lvl="1" indent="-171450">
+              <a:buFont typeface="Arial" panose="020B0604020202020204" pitchFamily="34" charset="0"/>
+              <a:buChar char="•"/>
+            </a:pPr>
+            <a:r>
+              <a:rPr lang="de-DE" dirty="0"/>
+              <a:t>Name</a:t>
+            </a:r>
+          </a:p>
+          <a:p>
+            <a:endParaRPr lang="de-DE" dirty="0"/>
+          </a:p>
+          <a:p>
+            <a:endParaRPr lang="de-DE" dirty="0"/>
+          </a:p>
+          <a:p>
+            <a:pPr marL="171450" indent="-171450">
+              <a:buFont typeface="Arial" panose="020B0604020202020204" pitchFamily="34" charset="0"/>
+              <a:buChar char="•"/>
+            </a:pPr>
+            <a:r>
+              <a:rPr lang="de-DE" dirty="0"/>
+              <a:t>Attributinfo</a:t>
+            </a:r>
+          </a:p>
+          <a:p>
+            <a:pPr marL="628650" lvl="1" indent="-171450">
+              <a:buFont typeface="Arial" panose="020B0604020202020204" pitchFamily="34" charset="0"/>
+              <a:buChar char="•"/>
+            </a:pPr>
+            <a:r>
+              <a:rPr lang="de-DE" dirty="0"/>
+              <a:t>Wird für jedes Attributtyp angezeigt</a:t>
+            </a:r>
+          </a:p>
+          <a:p>
+            <a:pPr marL="628650" lvl="1" indent="-171450">
+              <a:buFont typeface="Arial" panose="020B0604020202020204" pitchFamily="34" charset="0"/>
+              <a:buChar char="•"/>
+            </a:pPr>
+            <a:r>
+              <a:rPr lang="de-DE" dirty="0"/>
+              <a:t>Bis jetzt ist nur ein Attributtyp hinterlegt</a:t>
+            </a:r>
+          </a:p>
+          <a:p>
+            <a:endParaRPr lang="de-DE" dirty="0"/>
           </a:p>
         </p:txBody>
       </p:sp>
       <p:sp>
         <p:nvSpPr>
-          <p:cNvPr id="505" name="TextShape 3"/>
-          <p:cNvSpPr txBox="1"/>
-          <p:nvPr/>
+          <p:cNvPr id="4" name="Foliennummernplatzhalter 3"/>
+          <p:cNvSpPr>
+            <a:spLocks noGrp="1"/>
+          </p:cNvSpPr>
+          <p:nvPr>
+            <p:ph type="sldNum"/>
+          </p:nvPr>
         </p:nvSpPr>
-        <p:spPr>
-          <a:xfrm>
-            <a:off x="4278960" y="10157400"/>
-            <a:ext cx="3280320" cy="533880"/>
-          </a:xfrm>
-          <a:prstGeom prst="rect">
-            <a:avLst/>
-          </a:prstGeom>
-          <a:noFill/>
-          <a:ln>
-            <a:noFill/>
-          </a:ln>
-        </p:spPr>
+        <p:spPr/>
         <p:txBody>
-          <a:bodyPr lIns="0" tIns="0" rIns="0" bIns="0" anchor="b"/>
+          <a:bodyPr/>
           <a:lstStyle/>
           <a:p>
-            <a:pPr algn="r">
-              <a:lnSpc>
-                <a:spcPct val="100000"/>
-              </a:lnSpc>
-            </a:pPr>
-            <a:fld id="{DA5D222B-29C3-4545-AE07-5DF28AF891C1}" type="slidenum">
-              <a:rPr lang="de-DE" sz="1400" b="0" strike="noStrike" spc="-1">
-                <a:solidFill>
-                  <a:srgbClr val="000000"/>
-                </a:solidFill>
+            <a:pPr algn="r"/>
+            <a:fld id="{06A7A818-C6C7-4192-91B8-3915FE1378F4}" type="slidenum">
+              <a:rPr lang="de-DE" sz="1400" b="0" strike="noStrike" spc="-1" smtClean="0">
                 <a:latin typeface="Times New Roman"/>
-                <a:ea typeface="DejaVu Sans"/>
               </a:rPr>
-              <a:t>38</a:t>
+              <a:t>8</a:t>
             </a:fld>
             <a:endParaRPr lang="de-DE" sz="1400" b="0" strike="noStrike" spc="-1">
               <a:latin typeface="Times New Roman"/>
@@ -1286,6 +2113,429 @@
         </p:txBody>
       </p:sp>
     </p:spTree>
+    <p:extLst>
+      <p:ext uri="{BB962C8B-B14F-4D97-AF65-F5344CB8AC3E}">
+        <p14:creationId xmlns:p14="http://schemas.microsoft.com/office/powerpoint/2010/main" val="1352947139"/>
+      </p:ext>
+    </p:extLst>
+  </p:cSld>
+  <p:clrMapOvr>
+    <a:masterClrMapping/>
+  </p:clrMapOvr>
+</p:notes>
+</file>
+
+<file path=ppt/notesSlides/notesSlide8.xml><?xml version="1.0" encoding="utf-8"?>
+<p:notes xmlns:a="http://schemas.openxmlformats.org/drawingml/2006/main" xmlns:r="http://schemas.openxmlformats.org/officeDocument/2006/relationships" xmlns:p="http://schemas.openxmlformats.org/presentationml/2006/main">
+  <p:cSld>
+    <p:spTree>
+      <p:nvGrpSpPr>
+        <p:cNvPr id="1" name=""/>
+        <p:cNvGrpSpPr/>
+        <p:nvPr/>
+      </p:nvGrpSpPr>
+      <p:grpSpPr>
+        <a:xfrm>
+          <a:off x="0" y="0"/>
+          <a:ext cx="0" cy="0"/>
+          <a:chOff x="0" y="0"/>
+          <a:chExt cx="0" cy="0"/>
+        </a:xfrm>
+      </p:grpSpPr>
+      <p:sp>
+        <p:nvSpPr>
+          <p:cNvPr id="2" name="Folienbildplatzhalter 1"/>
+          <p:cNvSpPr>
+            <a:spLocks noGrp="1" noRot="1" noChangeAspect="1"/>
+          </p:cNvSpPr>
+          <p:nvPr>
+            <p:ph type="sldImg"/>
+          </p:nvPr>
+        </p:nvSpPr>
+        <p:spPr>
+          <a:xfrm>
+            <a:off x="217488" y="812800"/>
+            <a:ext cx="7124700" cy="4008438"/>
+          </a:xfrm>
+        </p:spPr>
+      </p:sp>
+      <p:sp>
+        <p:nvSpPr>
+          <p:cNvPr id="3" name="Notizenplatzhalter 2"/>
+          <p:cNvSpPr>
+            <a:spLocks noGrp="1"/>
+          </p:cNvSpPr>
+          <p:nvPr>
+            <p:ph type="body" idx="1"/>
+          </p:nvPr>
+        </p:nvSpPr>
+        <p:spPr/>
+        <p:txBody>
+          <a:bodyPr/>
+          <a:lstStyle/>
+          <a:p>
+            <a:pPr marL="171450" indent="-171450">
+              <a:buFont typeface="Arial" panose="020B0604020202020204" pitchFamily="34" charset="0"/>
+              <a:buChar char="•"/>
+            </a:pPr>
+            <a:r>
+              <a:rPr lang="de-DE" dirty="0"/>
+              <a:t>Anforderungen</a:t>
+            </a:r>
+          </a:p>
+          <a:p>
+            <a:pPr marL="628650" lvl="1" indent="-171450">
+              <a:buFont typeface="Arial" panose="020B0604020202020204" pitchFamily="34" charset="0"/>
+              <a:buChar char="•"/>
+            </a:pPr>
+            <a:r>
+              <a:rPr lang="de-DE" dirty="0"/>
+              <a:t>Initiales Spielgeschehen anzeigen</a:t>
+            </a:r>
+          </a:p>
+          <a:p>
+            <a:pPr marL="628650" lvl="1" indent="-171450">
+              <a:buFont typeface="Arial" panose="020B0604020202020204" pitchFamily="34" charset="0"/>
+              <a:buChar char="•"/>
+            </a:pPr>
+            <a:r>
+              <a:rPr lang="de-DE" dirty="0"/>
+              <a:t>Beitreten und Verlassen von Spielern anzeigen</a:t>
+            </a:r>
+          </a:p>
+          <a:p>
+            <a:pPr marL="628650" lvl="1" indent="-171450">
+              <a:buFont typeface="Arial" panose="020B0604020202020204" pitchFamily="34" charset="0"/>
+              <a:buChar char="•"/>
+            </a:pPr>
+            <a:r>
+              <a:rPr lang="de-DE" dirty="0"/>
+              <a:t>Spiel verlassen</a:t>
+            </a:r>
+          </a:p>
+          <a:p>
+            <a:pPr marL="628650" lvl="1" indent="-171450">
+              <a:buFont typeface="Arial" panose="020B0604020202020204" pitchFamily="34" charset="0"/>
+              <a:buChar char="•"/>
+            </a:pPr>
+            <a:r>
+              <a:rPr lang="de-DE" dirty="0"/>
+              <a:t>Ingame Chat</a:t>
+            </a:r>
+          </a:p>
+          <a:p>
+            <a:pPr marL="628650" lvl="1" indent="-171450">
+              <a:buFont typeface="Arial" panose="020B0604020202020204" pitchFamily="34" charset="0"/>
+              <a:buChar char="•"/>
+            </a:pPr>
+            <a:endParaRPr lang="de-DE" dirty="0"/>
+          </a:p>
+          <a:p>
+            <a:pPr marL="171450" lvl="0" indent="-171450">
+              <a:buFont typeface="Arial" panose="020B0604020202020204" pitchFamily="34" charset="0"/>
+              <a:buChar char="•"/>
+            </a:pPr>
+            <a:r>
+              <a:rPr lang="de-DE" dirty="0"/>
+              <a:t>Zeigen</a:t>
+            </a:r>
+          </a:p>
+          <a:p>
+            <a:pPr marL="628650" lvl="1" indent="-171450">
+              <a:buFont typeface="Arial" panose="020B0604020202020204" pitchFamily="34" charset="0"/>
+              <a:buChar char="•"/>
+            </a:pPr>
+            <a:r>
+              <a:rPr lang="de-DE" dirty="0"/>
+              <a:t>Spielerkasten</a:t>
+            </a:r>
+          </a:p>
+          <a:p>
+            <a:pPr marL="1085850" lvl="2" indent="-171450">
+              <a:buFont typeface="Arial" panose="020B0604020202020204" pitchFamily="34" charset="0"/>
+              <a:buChar char="•"/>
+            </a:pPr>
+            <a:r>
+              <a:rPr lang="de-DE" dirty="0"/>
+              <a:t>Spielerfarben</a:t>
+            </a:r>
+          </a:p>
+          <a:p>
+            <a:pPr marL="1085850" lvl="2" indent="-171450">
+              <a:buFont typeface="Arial" panose="020B0604020202020204" pitchFamily="34" charset="0"/>
+              <a:buChar char="•"/>
+            </a:pPr>
+            <a:r>
+              <a:rPr lang="de-DE" dirty="0"/>
+              <a:t>Wartesymbol</a:t>
+            </a:r>
+          </a:p>
+          <a:p>
+            <a:pPr marL="1085850" lvl="2" indent="-171450">
+              <a:buFont typeface="Arial" panose="020B0604020202020204" pitchFamily="34" charset="0"/>
+              <a:buChar char="•"/>
+            </a:pPr>
+            <a:r>
+              <a:rPr lang="de-DE" dirty="0"/>
+              <a:t>Wird dynamisch angezeigt</a:t>
+            </a:r>
+          </a:p>
+          <a:p>
+            <a:pPr marL="628650" lvl="1" indent="-171450">
+              <a:buFont typeface="Arial" panose="020B0604020202020204" pitchFamily="34" charset="0"/>
+              <a:buChar char="•"/>
+            </a:pPr>
+            <a:r>
+              <a:rPr lang="de-DE" dirty="0"/>
+              <a:t>Chat</a:t>
+            </a:r>
+          </a:p>
+          <a:p>
+            <a:pPr marL="1085850" lvl="2" indent="-171450">
+              <a:buFont typeface="Arial" panose="020B0604020202020204" pitchFamily="34" charset="0"/>
+              <a:buChar char="•"/>
+            </a:pPr>
+            <a:r>
+              <a:rPr lang="de-DE" dirty="0"/>
+              <a:t>Private und Allgemein</a:t>
+            </a:r>
+          </a:p>
+          <a:p>
+            <a:pPr marL="628650" lvl="1" indent="-171450">
+              <a:buFont typeface="Arial" panose="020B0604020202020204" pitchFamily="34" charset="0"/>
+              <a:buChar char="•"/>
+            </a:pPr>
+            <a:r>
+              <a:rPr lang="de-DE" dirty="0" err="1"/>
+              <a:t>Map</a:t>
+            </a:r>
+            <a:r>
+              <a:rPr lang="de-DE" dirty="0"/>
+              <a:t> Preview</a:t>
+            </a:r>
+          </a:p>
+        </p:txBody>
+      </p:sp>
+      <p:sp>
+        <p:nvSpPr>
+          <p:cNvPr id="4" name="Foliennummernplatzhalter 3"/>
+          <p:cNvSpPr>
+            <a:spLocks noGrp="1"/>
+          </p:cNvSpPr>
+          <p:nvPr>
+            <p:ph type="sldNum"/>
+          </p:nvPr>
+        </p:nvSpPr>
+        <p:spPr/>
+        <p:txBody>
+          <a:bodyPr/>
+          <a:lstStyle/>
+          <a:p>
+            <a:pPr algn="r"/>
+            <a:fld id="{06A7A818-C6C7-4192-91B8-3915FE1378F4}" type="slidenum">
+              <a:rPr lang="de-DE" sz="1400" b="0" strike="noStrike" spc="-1" smtClean="0">
+                <a:latin typeface="Times New Roman"/>
+              </a:rPr>
+              <a:t>9</a:t>
+            </a:fld>
+            <a:endParaRPr lang="de-DE" sz="1400" b="0" strike="noStrike" spc="-1">
+              <a:latin typeface="Times New Roman"/>
+            </a:endParaRPr>
+          </a:p>
+        </p:txBody>
+      </p:sp>
+    </p:spTree>
+    <p:extLst>
+      <p:ext uri="{BB962C8B-B14F-4D97-AF65-F5344CB8AC3E}">
+        <p14:creationId xmlns:p14="http://schemas.microsoft.com/office/powerpoint/2010/main" val="3780510963"/>
+      </p:ext>
+    </p:extLst>
+  </p:cSld>
+  <p:clrMapOvr>
+    <a:masterClrMapping/>
+  </p:clrMapOvr>
+</p:notes>
+</file>
+
+<file path=ppt/notesSlides/notesSlide9.xml><?xml version="1.0" encoding="utf-8"?>
+<p:notes xmlns:a="http://schemas.openxmlformats.org/drawingml/2006/main" xmlns:r="http://schemas.openxmlformats.org/officeDocument/2006/relationships" xmlns:p="http://schemas.openxmlformats.org/presentationml/2006/main">
+  <p:cSld>
+    <p:spTree>
+      <p:nvGrpSpPr>
+        <p:cNvPr id="1" name=""/>
+        <p:cNvGrpSpPr/>
+        <p:nvPr/>
+      </p:nvGrpSpPr>
+      <p:grpSpPr>
+        <a:xfrm>
+          <a:off x="0" y="0"/>
+          <a:ext cx="0" cy="0"/>
+          <a:chOff x="0" y="0"/>
+          <a:chExt cx="0" cy="0"/>
+        </a:xfrm>
+      </p:grpSpPr>
+      <p:sp>
+        <p:nvSpPr>
+          <p:cNvPr id="2" name="Folienbildplatzhalter 1"/>
+          <p:cNvSpPr>
+            <a:spLocks noGrp="1" noRot="1" noChangeAspect="1"/>
+          </p:cNvSpPr>
+          <p:nvPr>
+            <p:ph type="sldImg"/>
+          </p:nvPr>
+        </p:nvSpPr>
+        <p:spPr>
+          <a:xfrm>
+            <a:off x="217488" y="812800"/>
+            <a:ext cx="7124700" cy="4008438"/>
+          </a:xfrm>
+        </p:spPr>
+      </p:sp>
+      <p:sp>
+        <p:nvSpPr>
+          <p:cNvPr id="3" name="Notizenplatzhalter 2"/>
+          <p:cNvSpPr>
+            <a:spLocks noGrp="1"/>
+          </p:cNvSpPr>
+          <p:nvPr>
+            <p:ph type="body" idx="1"/>
+          </p:nvPr>
+        </p:nvSpPr>
+        <p:spPr/>
+        <p:txBody>
+          <a:bodyPr/>
+          <a:lstStyle/>
+          <a:p>
+            <a:pPr marL="171450" indent="-171450">
+              <a:buFont typeface="Arial" panose="020B0604020202020204" pitchFamily="34" charset="0"/>
+              <a:buChar char="•"/>
+            </a:pPr>
+            <a:r>
+              <a:rPr lang="de-DE" dirty="0"/>
+              <a:t>Anforderungen</a:t>
+            </a:r>
+          </a:p>
+          <a:p>
+            <a:pPr marL="628650" lvl="1" indent="-171450">
+              <a:buFont typeface="Arial" panose="020B0604020202020204" pitchFamily="34" charset="0"/>
+              <a:buChar char="•"/>
+            </a:pPr>
+            <a:r>
+              <a:rPr lang="de-DE" dirty="0"/>
+              <a:t>Initiales Spielgeschehen</a:t>
+            </a:r>
+          </a:p>
+          <a:p>
+            <a:pPr marL="628650" lvl="1" indent="-171450">
+              <a:buFont typeface="Arial" panose="020B0604020202020204" pitchFamily="34" charset="0"/>
+              <a:buChar char="•"/>
+            </a:pPr>
+            <a:r>
+              <a:rPr lang="de-DE" dirty="0"/>
+              <a:t>Verlassen des Spiels</a:t>
+            </a:r>
+          </a:p>
+          <a:p>
+            <a:pPr marL="628650" lvl="1" indent="-171450">
+              <a:buFont typeface="Arial" panose="020B0604020202020204" pitchFamily="34" charset="0"/>
+              <a:buChar char="•"/>
+            </a:pPr>
+            <a:endParaRPr lang="de-DE" dirty="0"/>
+          </a:p>
+          <a:p>
+            <a:pPr marL="171450" lvl="0" indent="-171450">
+              <a:buFont typeface="Arial" panose="020B0604020202020204" pitchFamily="34" charset="0"/>
+              <a:buChar char="•"/>
+            </a:pPr>
+            <a:r>
+              <a:rPr lang="de-DE" dirty="0"/>
+              <a:t>Zeigen </a:t>
+            </a:r>
+          </a:p>
+          <a:p>
+            <a:pPr marL="628650" lvl="1" indent="-171450">
+              <a:buFont typeface="Arial" panose="020B0604020202020204" pitchFamily="34" charset="0"/>
+              <a:buChar char="•"/>
+            </a:pPr>
+            <a:r>
+              <a:rPr lang="de-DE" dirty="0"/>
+              <a:t>Generierte Karte</a:t>
+            </a:r>
+          </a:p>
+          <a:p>
+            <a:pPr marL="1085850" lvl="2" indent="-171450">
+              <a:buFont typeface="Arial" panose="020B0604020202020204" pitchFamily="34" charset="0"/>
+              <a:buChar char="•"/>
+            </a:pPr>
+            <a:r>
+              <a:rPr lang="de-DE" dirty="0"/>
+              <a:t>Übergänge werden besonders generiert -&gt; darauf geht der </a:t>
+            </a:r>
+            <a:r>
+              <a:rPr lang="de-DE" dirty="0" err="1"/>
+              <a:t>Scrum</a:t>
+            </a:r>
+            <a:r>
+              <a:rPr lang="de-DE" dirty="0"/>
+              <a:t> Master noch einmal gesondert ein</a:t>
+            </a:r>
+          </a:p>
+          <a:p>
+            <a:pPr marL="628650" lvl="1" indent="-171450">
+              <a:buFont typeface="Arial" panose="020B0604020202020204" pitchFamily="34" charset="0"/>
+              <a:buChar char="•"/>
+            </a:pPr>
+            <a:r>
+              <a:rPr lang="de-DE" dirty="0"/>
+              <a:t>Startpositionen der Einheiten</a:t>
+            </a:r>
+          </a:p>
+          <a:p>
+            <a:pPr marL="628650" lvl="1" indent="-171450">
+              <a:buFont typeface="Arial" panose="020B0604020202020204" pitchFamily="34" charset="0"/>
+              <a:buChar char="•"/>
+            </a:pPr>
+            <a:r>
+              <a:rPr lang="de-DE" dirty="0"/>
+              <a:t>Zoomen</a:t>
+            </a:r>
+          </a:p>
+        </p:txBody>
+      </p:sp>
+      <p:sp>
+        <p:nvSpPr>
+          <p:cNvPr id="4" name="Foliennummernplatzhalter 3"/>
+          <p:cNvSpPr>
+            <a:spLocks noGrp="1"/>
+          </p:cNvSpPr>
+          <p:nvPr>
+            <p:ph type="sldNum"/>
+          </p:nvPr>
+        </p:nvSpPr>
+        <p:spPr/>
+        <p:txBody>
+          <a:bodyPr/>
+          <a:lstStyle/>
+          <a:p>
+            <a:pPr algn="r"/>
+            <a:fld id="{06A7A818-C6C7-4192-91B8-3915FE1378F4}" type="slidenum">
+              <a:rPr lang="de-DE" sz="1400" b="0" strike="noStrike" spc="-1" smtClean="0">
+                <a:latin typeface="Times New Roman"/>
+              </a:rPr>
+              <a:t>10</a:t>
+            </a:fld>
+            <a:endParaRPr lang="de-DE" sz="1400" b="0" strike="noStrike" spc="-1">
+              <a:latin typeface="Times New Roman"/>
+            </a:endParaRPr>
+          </a:p>
+        </p:txBody>
+      </p:sp>
+    </p:spTree>
+    <p:extLst>
+      <p:ext uri="{BB962C8B-B14F-4D97-AF65-F5344CB8AC3E}">
+        <p14:creationId xmlns:p14="http://schemas.microsoft.com/office/powerpoint/2010/main" val="2343451219"/>
+      </p:ext>
+    </p:extLst>
   </p:cSld>
   <p:clrMapOvr>
     <a:masterClrMapping/>
@@ -3503,7 +4753,7 @@
           <p:nvPr/>
         </p:nvPicPr>
         <p:blipFill>
-          <a:blip r:embed="rId2"/>
+          <a:blip r:embed="rId3"/>
           <a:stretch/>
         </p:blipFill>
         <p:spPr>
@@ -3789,7 +5039,7 @@
           <p:nvPr/>
         </p:nvPicPr>
         <p:blipFill>
-          <a:blip r:embed="rId2"/>
+          <a:blip r:embed="rId3"/>
           <a:stretch/>
         </p:blipFill>
         <p:spPr>
@@ -4206,7 +5456,7 @@
           <p:nvPr/>
         </p:nvPicPr>
         <p:blipFill>
-          <a:blip r:embed="rId3">
+          <a:blip r:embed="rId4">
             <a:extLst>
               <a:ext uri="{28A0092B-C50C-407E-A947-70E740481C1C}">
                 <a14:useLocalDpi xmlns:a14="http://schemas.microsoft.com/office/drawing/2010/main" val="0"/>
@@ -4380,7 +5630,7 @@
           <p:nvPr/>
         </p:nvPicPr>
         <p:blipFill>
-          <a:blip r:embed="rId2"/>
+          <a:blip r:embed="rId3"/>
           <a:stretch/>
         </p:blipFill>
         <p:spPr>
@@ -4491,12 +5741,12 @@
           <p:nvPr/>
         </p:nvPicPr>
         <p:blipFill>
-          <a:blip r:embed="rId3"/>
+          <a:blip r:embed="rId4"/>
           <a:stretch/>
         </p:blipFill>
         <p:spPr>
           <a:xfrm>
-            <a:off x="6045840" y="1679040"/>
+            <a:off x="6364440" y="1641780"/>
             <a:ext cx="3260160" cy="2869560"/>
           </a:xfrm>
           <a:prstGeom prst="rect">
@@ -4730,7 +5980,7 @@
           <p:nvPr/>
         </p:nvPicPr>
         <p:blipFill>
-          <a:blip r:embed="rId4">
+          <a:blip r:embed="rId5">
             <a:extLst>
               <a:ext uri="{28A0092B-C50C-407E-A947-70E740481C1C}">
                 <a14:useLocalDpi xmlns:a14="http://schemas.microsoft.com/office/drawing/2010/main" val="0"/>
@@ -4904,7 +6154,7 @@
           <p:nvPr/>
         </p:nvPicPr>
         <p:blipFill>
-          <a:blip r:embed="rId2"/>
+          <a:blip r:embed="rId3"/>
           <a:stretch/>
         </p:blipFill>
         <p:spPr>
@@ -5231,7 +6481,7 @@
           <p:nvPr/>
         </p:nvPicPr>
         <p:blipFill>
-          <a:blip r:embed="rId3">
+          <a:blip r:embed="rId4">
             <a:extLst>
               <a:ext uri="{28A0092B-C50C-407E-A947-70E740481C1C}">
                 <a14:useLocalDpi xmlns:a14="http://schemas.microsoft.com/office/drawing/2010/main" val="0"/>
@@ -5267,7 +6517,7 @@
           <p:nvPr/>
         </p:nvPicPr>
         <p:blipFill>
-          <a:blip r:embed="rId4">
+          <a:blip r:embed="rId5">
             <a:extLst>
               <a:ext uri="{28A0092B-C50C-407E-A947-70E740481C1C}">
                 <a14:useLocalDpi xmlns:a14="http://schemas.microsoft.com/office/drawing/2010/main" val="0"/>
@@ -24303,7 +25553,7 @@
           <p:nvPr/>
         </p:nvPicPr>
         <p:blipFill>
-          <a:blip r:embed="rId2"/>
+          <a:blip r:embed="rId3"/>
           <a:stretch/>
         </p:blipFill>
         <p:spPr>
@@ -24630,7 +25880,7 @@
           <p:nvPr/>
         </p:nvPicPr>
         <p:blipFill>
-          <a:blip r:embed="rId3">
+          <a:blip r:embed="rId4">
             <a:extLst>
               <a:ext uri="{28A0092B-C50C-407E-A947-70E740481C1C}">
                 <a14:useLocalDpi xmlns:a14="http://schemas.microsoft.com/office/drawing/2010/main" val="0"/>
@@ -24666,7 +25916,7 @@
           <p:nvPr/>
         </p:nvPicPr>
         <p:blipFill>
-          <a:blip r:embed="rId4">
+          <a:blip r:embed="rId5">
             <a:extLst>
               <a:ext uri="{28A0092B-C50C-407E-A947-70E740481C1C}">
                 <a14:useLocalDpi xmlns:a14="http://schemas.microsoft.com/office/drawing/2010/main" val="0"/>
@@ -24840,7 +26090,7 @@
           <p:nvPr/>
         </p:nvPicPr>
         <p:blipFill>
-          <a:blip r:embed="rId2"/>
+          <a:blip r:embed="rId3"/>
           <a:stretch/>
         </p:blipFill>
         <p:spPr>
@@ -25068,29 +26318,6 @@
           <a:fontRef idx="minor"/>
         </p:style>
       </p:sp>
-      <p:pic>
-        <p:nvPicPr>
-          <p:cNvPr id="128" name="Grafik 3"/>
-          <p:cNvPicPr/>
-          <p:nvPr/>
-        </p:nvPicPr>
-        <p:blipFill>
-          <a:blip r:embed="rId3"/>
-          <a:stretch/>
-        </p:blipFill>
-        <p:spPr>
-          <a:xfrm>
-            <a:off x="130320" y="1862640"/>
-            <a:ext cx="4949640" cy="2845080"/>
-          </a:xfrm>
-          <a:prstGeom prst="rect">
-            <a:avLst/>
-          </a:prstGeom>
-          <a:ln>
-            <a:noFill/>
-          </a:ln>
-        </p:spPr>
-      </p:pic>
       <p:sp>
         <p:nvSpPr>
           <p:cNvPr id="130" name="CustomShape 8"/>
@@ -25385,6 +26612,42 @@
           <a:xfrm>
             <a:off x="5562213" y="1858003"/>
             <a:ext cx="4048133" cy="2850077"/>
+          </a:xfrm>
+          <a:prstGeom prst="rect">
+            <a:avLst/>
+          </a:prstGeom>
+        </p:spPr>
+      </p:pic>
+      <p:pic>
+        <p:nvPicPr>
+          <p:cNvPr id="4" name="Grafik 3">
+            <a:extLst>
+              <a:ext uri="{FF2B5EF4-FFF2-40B4-BE49-F238E27FC236}">
+                <a16:creationId xmlns:a16="http://schemas.microsoft.com/office/drawing/2014/main" id="{B329FA4D-BF5B-4BA3-A1EB-741868F82C6E}"/>
+              </a:ext>
+            </a:extLst>
+          </p:cNvPr>
+          <p:cNvPicPr>
+            <a:picLocks noChangeAspect="1"/>
+          </p:cNvPicPr>
+          <p:nvPr/>
+        </p:nvPicPr>
+        <p:blipFill>
+          <a:blip r:embed="rId5">
+            <a:extLst>
+              <a:ext uri="{28A0092B-C50C-407E-A947-70E740481C1C}">
+                <a14:useLocalDpi xmlns:a14="http://schemas.microsoft.com/office/drawing/2010/main" val="0"/>
+              </a:ext>
+            </a:extLst>
+          </a:blip>
+          <a:stretch>
+            <a:fillRect/>
+          </a:stretch>
+        </p:blipFill>
+        <p:spPr>
+          <a:xfrm>
+            <a:off x="234168" y="1858003"/>
+            <a:ext cx="4954815" cy="2848277"/>
           </a:xfrm>
           <a:prstGeom prst="rect">
             <a:avLst/>
